--- a/Spring Project/free_KYM.pptx
+++ b/Spring Project/free_KYM.pptx
@@ -295,7 +295,7 @@
           <a:p>
             <a:fld id="{784D74D0-C08C-4FA0-B1AC-58A8B9A14615}" type="datetimeFigureOut">
               <a:rPr lang="ko-KR" altLang="en-US" smtClean="0"/>
-              <a:t>2021-06-01</a:t>
+              <a:t>2021-11-06</a:t>
             </a:fld>
             <a:endParaRPr lang="ko-KR" altLang="en-US"/>
           </a:p>
@@ -493,7 +493,7 @@
           <a:p>
             <a:fld id="{784D74D0-C08C-4FA0-B1AC-58A8B9A14615}" type="datetimeFigureOut">
               <a:rPr lang="ko-KR" altLang="en-US" smtClean="0"/>
-              <a:t>2021-06-01</a:t>
+              <a:t>2021-11-06</a:t>
             </a:fld>
             <a:endParaRPr lang="ko-KR" altLang="en-US"/>
           </a:p>
@@ -701,7 +701,7 @@
           <a:p>
             <a:fld id="{784D74D0-C08C-4FA0-B1AC-58A8B9A14615}" type="datetimeFigureOut">
               <a:rPr lang="ko-KR" altLang="en-US" smtClean="0"/>
-              <a:t>2021-06-01</a:t>
+              <a:t>2021-11-06</a:t>
             </a:fld>
             <a:endParaRPr lang="ko-KR" altLang="en-US"/>
           </a:p>
@@ -899,7 +899,7 @@
           <a:p>
             <a:fld id="{784D74D0-C08C-4FA0-B1AC-58A8B9A14615}" type="datetimeFigureOut">
               <a:rPr lang="ko-KR" altLang="en-US" smtClean="0"/>
-              <a:t>2021-06-01</a:t>
+              <a:t>2021-11-06</a:t>
             </a:fld>
             <a:endParaRPr lang="ko-KR" altLang="en-US"/>
           </a:p>
@@ -1174,7 +1174,7 @@
           <a:p>
             <a:fld id="{784D74D0-C08C-4FA0-B1AC-58A8B9A14615}" type="datetimeFigureOut">
               <a:rPr lang="ko-KR" altLang="en-US" smtClean="0"/>
-              <a:t>2021-06-01</a:t>
+              <a:t>2021-11-06</a:t>
             </a:fld>
             <a:endParaRPr lang="ko-KR" altLang="en-US"/>
           </a:p>
@@ -1439,7 +1439,7 @@
           <a:p>
             <a:fld id="{784D74D0-C08C-4FA0-B1AC-58A8B9A14615}" type="datetimeFigureOut">
               <a:rPr lang="ko-KR" altLang="en-US" smtClean="0"/>
-              <a:t>2021-06-01</a:t>
+              <a:t>2021-11-06</a:t>
             </a:fld>
             <a:endParaRPr lang="ko-KR" altLang="en-US"/>
           </a:p>
@@ -1851,7 +1851,7 @@
           <a:p>
             <a:fld id="{784D74D0-C08C-4FA0-B1AC-58A8B9A14615}" type="datetimeFigureOut">
               <a:rPr lang="ko-KR" altLang="en-US" smtClean="0"/>
-              <a:t>2021-06-01</a:t>
+              <a:t>2021-11-06</a:t>
             </a:fld>
             <a:endParaRPr lang="ko-KR" altLang="en-US"/>
           </a:p>
@@ -1992,7 +1992,7 @@
           <a:p>
             <a:fld id="{784D74D0-C08C-4FA0-B1AC-58A8B9A14615}" type="datetimeFigureOut">
               <a:rPr lang="ko-KR" altLang="en-US" smtClean="0"/>
-              <a:t>2021-06-01</a:t>
+              <a:t>2021-11-06</a:t>
             </a:fld>
             <a:endParaRPr lang="ko-KR" altLang="en-US"/>
           </a:p>
@@ -2105,7 +2105,7 @@
           <a:p>
             <a:fld id="{784D74D0-C08C-4FA0-B1AC-58A8B9A14615}" type="datetimeFigureOut">
               <a:rPr lang="ko-KR" altLang="en-US" smtClean="0"/>
-              <a:t>2021-06-01</a:t>
+              <a:t>2021-11-06</a:t>
             </a:fld>
             <a:endParaRPr lang="ko-KR" altLang="en-US"/>
           </a:p>
@@ -2416,7 +2416,7 @@
           <a:p>
             <a:fld id="{784D74D0-C08C-4FA0-B1AC-58A8B9A14615}" type="datetimeFigureOut">
               <a:rPr lang="ko-KR" altLang="en-US" smtClean="0"/>
-              <a:t>2021-06-01</a:t>
+              <a:t>2021-11-06</a:t>
             </a:fld>
             <a:endParaRPr lang="ko-KR" altLang="en-US"/>
           </a:p>
@@ -2704,7 +2704,7 @@
           <a:p>
             <a:fld id="{784D74D0-C08C-4FA0-B1AC-58A8B9A14615}" type="datetimeFigureOut">
               <a:rPr lang="ko-KR" altLang="en-US" smtClean="0"/>
-              <a:t>2021-06-01</a:t>
+              <a:t>2021-11-06</a:t>
             </a:fld>
             <a:endParaRPr lang="ko-KR" altLang="en-US"/>
           </a:p>
@@ -2945,7 +2945,7 @@
           <a:p>
             <a:fld id="{784D74D0-C08C-4FA0-B1AC-58A8B9A14615}" type="datetimeFigureOut">
               <a:rPr lang="ko-KR" altLang="en-US" smtClean="0"/>
-              <a:t>2021-06-01</a:t>
+              <a:t>2021-11-06</a:t>
             </a:fld>
             <a:endParaRPr lang="ko-KR" altLang="en-US"/>
           </a:p>
@@ -9104,205 +9104,66 @@
         </p:nvGrpSpPr>
         <p:grpSpPr>
           <a:xfrm>
-            <a:off x="7952872" y="1151131"/>
-            <a:ext cx="4373614" cy="5544664"/>
-            <a:chOff x="7064287" y="1156980"/>
-            <a:chExt cx="4373614" cy="5544664"/>
+            <a:off x="7952872" y="1677656"/>
+            <a:ext cx="3903848" cy="5018139"/>
+            <a:chOff x="7064287" y="1683505"/>
+            <a:chExt cx="3903848" cy="5018139"/>
           </a:xfrm>
         </p:grpSpPr>
         <p:sp>
           <p:nvSpPr>
-            <p:cNvPr id="36" name="TextBox 35">
+            <p:cNvPr id="41" name="직사각형 40">
               <a:extLst>
                 <a:ext uri="{FF2B5EF4-FFF2-40B4-BE49-F238E27FC236}">
-                  <a16:creationId xmlns:a16="http://schemas.microsoft.com/office/drawing/2014/main" id="{FC70FA39-0722-4F2F-B393-10B884A48573}"/>
+                  <a16:creationId xmlns:a16="http://schemas.microsoft.com/office/drawing/2014/main" id="{02557835-EF25-49E1-8625-00D99D7FAEF9}"/>
                 </a:ext>
               </a:extLst>
             </p:cNvPr>
-            <p:cNvSpPr txBox="1"/>
+            <p:cNvSpPr/>
             <p:nvPr/>
           </p:nvSpPr>
           <p:spPr>
             <a:xfrm>
-              <a:off x="7439685" y="1156980"/>
-              <a:ext cx="3998216" cy="307777"/>
+              <a:off x="7064287" y="1683505"/>
+              <a:ext cx="608197" cy="2253607"/>
             </a:xfrm>
             <a:prstGeom prst="rect">
               <a:avLst/>
             </a:prstGeom>
             <a:noFill/>
+            <a:ln w="28575" cap="flat" cmpd="sng" algn="ctr">
+              <a:solidFill>
+                <a:srgbClr val="FF0000"/>
+              </a:solidFill>
+              <a:prstDash val="sysDash"/>
+              <a:round/>
+              <a:headEnd type="none" w="med" len="med"/>
+              <a:tailEnd type="none" w="med" len="med"/>
+            </a:ln>
           </p:spPr>
+          <p:style>
+            <a:lnRef idx="0">
+              <a:scrgbClr r="0" g="0" b="0"/>
+            </a:lnRef>
+            <a:fillRef idx="0">
+              <a:scrgbClr r="0" g="0" b="0"/>
+            </a:fillRef>
+            <a:effectRef idx="0">
+              <a:scrgbClr r="0" g="0" b="0"/>
+            </a:effectRef>
+            <a:fontRef idx="minor">
+              <a:schemeClr val="dk1"/>
+            </a:fontRef>
+          </p:style>
           <p:txBody>
-            <a:bodyPr wrap="square" rtlCol="0">
-              <a:spAutoFit/>
-            </a:bodyPr>
+            <a:bodyPr rtlCol="0" anchor="ctr"/>
             <a:lstStyle/>
             <a:p>
               <a:pPr algn="ctr"/>
-              <a:r>
-                <a:rPr lang="en-US" altLang="ko-KR" sz="1400" b="1" dirty="0">
-                  <a:ln>
-                    <a:solidFill>
-                      <a:schemeClr val="tx1">
-                        <a:alpha val="30000"/>
-                      </a:schemeClr>
-                    </a:solidFill>
-                  </a:ln>
-                  <a:ea typeface="KoPub돋움체 Light" panose="02020603020101020101" pitchFamily="18" charset="-127"/>
-                </a:rPr>
-                <a:t>[</a:t>
-              </a:r>
-              <a:r>
-                <a:rPr lang="ko-KR" altLang="en-US" sz="1400" b="1" dirty="0">
-                  <a:ln>
-                    <a:solidFill>
-                      <a:schemeClr val="tx1">
-                        <a:alpha val="30000"/>
-                      </a:schemeClr>
-                    </a:solidFill>
-                  </a:ln>
-                  <a:ea typeface="KoPub돋움체 Light" panose="02020603020101020101" pitchFamily="18" charset="-127"/>
-                </a:rPr>
-                <a:t>희망 과목 미리 담기</a:t>
-              </a:r>
-              <a:r>
-                <a:rPr lang="en-US" altLang="ko-KR" sz="1400" b="1" dirty="0">
-                  <a:ln>
-                    <a:solidFill>
-                      <a:schemeClr val="tx1">
-                        <a:alpha val="30000"/>
-                      </a:schemeClr>
-                    </a:solidFill>
-                  </a:ln>
-                  <a:ea typeface="KoPub돋움체 Light" panose="02020603020101020101" pitchFamily="18" charset="-127"/>
-                </a:rPr>
-                <a:t>]</a:t>
-              </a:r>
+              <a:endParaRPr lang="ko-KR" altLang="en-US" dirty="0"/>
             </a:p>
           </p:txBody>
         </p:sp>
-        <p:grpSp>
-          <p:nvGrpSpPr>
-            <p:cNvPr id="37" name="그룹 36">
-              <a:extLst>
-                <a:ext uri="{FF2B5EF4-FFF2-40B4-BE49-F238E27FC236}">
-                  <a16:creationId xmlns:a16="http://schemas.microsoft.com/office/drawing/2014/main" id="{63D84CB8-017F-4697-AE87-E5119739B44F}"/>
-                </a:ext>
-              </a:extLst>
-            </p:cNvPr>
-            <p:cNvGrpSpPr/>
-            <p:nvPr/>
-          </p:nvGrpSpPr>
-          <p:grpSpPr>
-            <a:xfrm>
-              <a:off x="7064287" y="1322295"/>
-              <a:ext cx="1419727" cy="2614817"/>
-              <a:chOff x="7666355" y="2493837"/>
-              <a:chExt cx="1276410" cy="3983483"/>
-            </a:xfrm>
-          </p:grpSpPr>
-          <p:sp>
-            <p:nvSpPr>
-              <p:cNvPr id="41" name="직사각형 40">
-                <a:extLst>
-                  <a:ext uri="{FF2B5EF4-FFF2-40B4-BE49-F238E27FC236}">
-                    <a16:creationId xmlns:a16="http://schemas.microsoft.com/office/drawing/2014/main" id="{02557835-EF25-49E1-8625-00D99D7FAEF9}"/>
-                  </a:ext>
-                </a:extLst>
-              </p:cNvPr>
-              <p:cNvSpPr/>
-              <p:nvPr/>
-            </p:nvSpPr>
-            <p:spPr>
-              <a:xfrm>
-                <a:off x="7666355" y="3044114"/>
-                <a:ext cx="546801" cy="3433206"/>
-              </a:xfrm>
-              <a:prstGeom prst="rect">
-                <a:avLst/>
-              </a:prstGeom>
-              <a:noFill/>
-              <a:ln w="28575" cap="flat" cmpd="sng" algn="ctr">
-                <a:solidFill>
-                  <a:srgbClr val="FF0000"/>
-                </a:solidFill>
-                <a:prstDash val="sysDash"/>
-                <a:round/>
-                <a:headEnd type="none" w="med" len="med"/>
-                <a:tailEnd type="none" w="med" len="med"/>
-              </a:ln>
-            </p:spPr>
-            <p:style>
-              <a:lnRef idx="0">
-                <a:scrgbClr r="0" g="0" b="0"/>
-              </a:lnRef>
-              <a:fillRef idx="0">
-                <a:scrgbClr r="0" g="0" b="0"/>
-              </a:fillRef>
-              <a:effectRef idx="0">
-                <a:scrgbClr r="0" g="0" b="0"/>
-              </a:effectRef>
-              <a:fontRef idx="minor">
-                <a:schemeClr val="dk1"/>
-              </a:fontRef>
-            </p:style>
-            <p:txBody>
-              <a:bodyPr rtlCol="0" anchor="ctr"/>
-              <a:lstStyle/>
-              <a:p>
-                <a:pPr algn="ctr"/>
-                <a:endParaRPr lang="ko-KR" altLang="en-US" dirty="0"/>
-              </a:p>
-            </p:txBody>
-          </p:sp>
-          <p:cxnSp>
-            <p:nvCxnSpPr>
-              <p:cNvPr id="42" name="연결선: 꺾임 41">
-                <a:extLst>
-                  <a:ext uri="{FF2B5EF4-FFF2-40B4-BE49-F238E27FC236}">
-                    <a16:creationId xmlns:a16="http://schemas.microsoft.com/office/drawing/2014/main" id="{6D666B69-9C28-4FAE-AC0B-120CF9F842D7}"/>
-                  </a:ext>
-                </a:extLst>
-              </p:cNvPr>
-              <p:cNvCxnSpPr>
-                <a:cxnSpLocks/>
-              </p:cNvCxnSpPr>
-              <p:nvPr/>
-            </p:nvCxnSpPr>
-            <p:spPr>
-              <a:xfrm flipV="1">
-                <a:off x="8003857" y="2493837"/>
-                <a:ext cx="938908" cy="520851"/>
-              </a:xfrm>
-              <a:prstGeom prst="bentConnector3">
-                <a:avLst>
-                  <a:gd name="adj1" fmla="val -6913"/>
-                </a:avLst>
-              </a:prstGeom>
-              <a:ln w="19050">
-                <a:solidFill>
-                  <a:srgbClr val="FF0000"/>
-                </a:solidFill>
-                <a:prstDash val="sysDash"/>
-                <a:tailEnd type="triangle"/>
-              </a:ln>
-            </p:spPr>
-            <p:style>
-              <a:lnRef idx="1">
-                <a:schemeClr val="accent1"/>
-              </a:lnRef>
-              <a:fillRef idx="0">
-                <a:schemeClr val="accent1"/>
-              </a:fillRef>
-              <a:effectRef idx="0">
-                <a:schemeClr val="accent1"/>
-              </a:effectRef>
-              <a:fontRef idx="minor">
-                <a:schemeClr val="tx1"/>
-              </a:fontRef>
-            </p:style>
-          </p:cxnSp>
-        </p:grpSp>
         <p:sp>
           <p:nvSpPr>
             <p:cNvPr id="39" name="직사각형 38">
@@ -9357,54 +9218,6 @@
             </a:p>
           </p:txBody>
         </p:sp>
-        <p:cxnSp>
-          <p:nvCxnSpPr>
-            <p:cNvPr id="40" name="연결선: 꺾임 39">
-              <a:extLst>
-                <a:ext uri="{FF2B5EF4-FFF2-40B4-BE49-F238E27FC236}">
-                  <a16:creationId xmlns:a16="http://schemas.microsoft.com/office/drawing/2014/main" id="{20FD8D3F-46C9-40BC-8480-6AD7700BAA8C}"/>
-                </a:ext>
-              </a:extLst>
-            </p:cNvPr>
-            <p:cNvCxnSpPr>
-              <a:cxnSpLocks/>
-              <a:endCxn id="36" idx="2"/>
-            </p:cNvCxnSpPr>
-            <p:nvPr/>
-          </p:nvCxnSpPr>
-          <p:spPr>
-            <a:xfrm rot="16200000" flipV="1">
-              <a:off x="8711117" y="2192433"/>
-              <a:ext cx="2681566" cy="1226214"/>
-            </a:xfrm>
-            <a:prstGeom prst="bentConnector3">
-              <a:avLst>
-                <a:gd name="adj1" fmla="val 50000"/>
-              </a:avLst>
-            </a:prstGeom>
-            <a:ln w="19050">
-              <a:solidFill>
-                <a:srgbClr val="FF0000"/>
-              </a:solidFill>
-              <a:prstDash val="sysDash"/>
-              <a:tailEnd type="triangle"/>
-            </a:ln>
-          </p:spPr>
-          <p:style>
-            <a:lnRef idx="1">
-              <a:schemeClr val="accent1"/>
-            </a:lnRef>
-            <a:fillRef idx="0">
-              <a:schemeClr val="accent1"/>
-            </a:fillRef>
-            <a:effectRef idx="0">
-              <a:schemeClr val="accent1"/>
-            </a:effectRef>
-            <a:fontRef idx="minor">
-              <a:schemeClr val="tx1"/>
-            </a:fontRef>
-          </p:style>
-        </p:cxnSp>
       </p:grpSp>
     </p:spTree>
     <p:extLst>
